--- a/doc/source/topic_guides/GithubGuideKmcos.pptx
+++ b/doc/source/topic_guides/GithubGuideKmcos.pptx
@@ -104,6 +104,11 @@
       </a:defRPr>
     </a:lvl9pPr>
   </p:defaultTextStyle>
+  <p:extLst>
+    <p:ext uri="{EFAFB233-063F-42B5-8137-9DF3F51BA10A}">
+      <p15:sldGuideLst xmlns:p15="http://schemas.microsoft.com/office/powerpoint/2012/main"/>
+    </p:ext>
+  </p:extLst>
 </p:presentation>
 </file>
 
@@ -3662,8 +3667,8 @@
         </p:nvSpPr>
         <p:spPr>
           <a:xfrm>
-            <a:off x="3981452" y="5041105"/>
-            <a:ext cx="2819398" cy="2246769"/>
+            <a:off x="539642" y="6161724"/>
+            <a:ext cx="6267449" cy="1384995"/>
           </a:xfrm>
           <a:prstGeom prst="rect">
             <a:avLst/>
@@ -3678,7 +3683,7 @@
           <a:p>
             <a:r>
               <a:rPr lang="en-US" sz="1400" dirty="0"/>
-              <a:t>Note: Your develop branch will *never* have changes before the main fork’s develop branch. You will always pull from main fork’s develop branch to your own develop branch.</a:t>
+              <a:t>Note: Your develop branch should never have changes before the main fork’s develop branch. You will always pull from main fork’s develop branch to your own develop branch.</a:t>
             </a:r>
           </a:p>
           <a:p>
@@ -3687,7 +3692,49 @@
           <a:p>
             <a:r>
               <a:rPr lang="en-US" sz="1400" dirty="0"/>
-              <a:t>The order of pulls is from main develop to your develop to your side-branch, and from your side-branch to main develop.</a:t>
+              <a:t>The order of pulls is…. [main develop] </a:t>
+            </a:r>
+            <a:r>
+              <a:rPr lang="en-US" sz="1400" dirty="0">
+                <a:sym typeface="Wingdings" panose="05000000000000000000" pitchFamily="2" charset="2"/>
+              </a:rPr>
+              <a:t> [</a:t>
+            </a:r>
+            <a:r>
+              <a:rPr lang="en-US" sz="1400" dirty="0"/>
+              <a:t>your develop] </a:t>
+            </a:r>
+            <a:r>
+              <a:rPr lang="en-US" sz="1400" dirty="0">
+                <a:sym typeface="Wingdings" panose="05000000000000000000" pitchFamily="2" charset="2"/>
+              </a:rPr>
+              <a:t> [</a:t>
+            </a:r>
+            <a:r>
+              <a:rPr lang="en-US" sz="1400" dirty="0"/>
+              <a:t>your side-branch] </a:t>
+            </a:r>
+          </a:p>
+          <a:p>
+            <a:r>
+              <a:rPr lang="en-US" sz="1400" dirty="0">
+                <a:sym typeface="Wingdings" panose="05000000000000000000" pitchFamily="2" charset="2"/>
+              </a:rPr>
+              <a:t>And for adding changes…  [your</a:t>
+            </a:r>
+            <a:r>
+              <a:rPr lang="en-US" sz="1400" dirty="0"/>
+              <a:t> side-branch] </a:t>
+            </a:r>
+            <a:r>
+              <a:rPr lang="en-US" sz="1400" dirty="0">
+                <a:sym typeface="Wingdings" panose="05000000000000000000" pitchFamily="2" charset="2"/>
+              </a:rPr>
+              <a:t> [</a:t>
+            </a:r>
+            <a:r>
+              <a:rPr lang="en-US" sz="1400" dirty="0"/>
+              <a:t>main develop]</a:t>
             </a:r>
           </a:p>
         </p:txBody>
@@ -3803,7 +3850,7 @@
         <p:spPr>
           <a:xfrm>
             <a:off x="533401" y="7630466"/>
-            <a:ext cx="5934073" cy="1815882"/>
+            <a:ext cx="5934073" cy="2246769"/>
           </a:xfrm>
           <a:prstGeom prst="rect">
             <a:avLst/>
@@ -3818,7 +3865,7 @@
           <a:p>
             <a:r>
               <a:rPr lang="en-US" sz="1400" dirty="0"/>
-              <a:t>Later, A. Savara will merge the main fork’s develop into the main fork’s master.</a:t>
+              <a:t>Later, a maintainer will merge the main fork’s develop into the main fork’s master.</a:t>
             </a:r>
           </a:p>
           <a:p>
@@ -3827,7 +3874,7 @@
           <a:p>
             <a:r>
               <a:rPr lang="en-US" sz="1400" dirty="0"/>
-              <a:t>A. Savara will watch what is happening on branches and forks and will encourage and manage merges.</a:t>
+              <a:t>You may be asked  to deviate from the above process for branch management purpose. Before working towards adding a new feature, please ask the person in charge of branch management. As of Dec 2020, that is A. Savara.</a:t>
             </a:r>
           </a:p>
           <a:p>
@@ -3835,8 +3882,12 @@
           </a:p>
           <a:p>
             <a:r>
+              <a:rPr lang="en-US" sz="1400" b="1" dirty="0"/>
+              <a:t>Important: </a:t>
+            </a:r>
+            <a:r>
               <a:rPr lang="en-US" sz="1400" dirty="0"/>
-              <a:t>It is best **not** to do giant merges.  Giant merges are much harder to review. Break your work up into small chunks  -- with five merges instead of one, for example.  This will help to prevent conflicts between branches.</a:t>
+              <a:t>It is best **not** to do giant merges.  Giant merges are much harder to review. Break your work up into small chunks  -- such as five merges instead of one, for example.  This will help to prevent conflicts and bad-forking.</a:t>
             </a:r>
           </a:p>
         </p:txBody>
@@ -3856,7 +3907,7 @@
         <p:spPr>
           <a:xfrm>
             <a:off x="1013140" y="120578"/>
-            <a:ext cx="5080603" cy="954107"/>
+            <a:ext cx="5080603" cy="738664"/>
           </a:xfrm>
           <a:prstGeom prst="rect">
             <a:avLst/>
@@ -3871,8 +3922,13 @@
           <a:p>
             <a:r>
               <a:rPr lang="en-US" sz="1400" dirty="0"/>
-              <a:t>Using the github.com web interface for creating branches and merges is recommended. It is also recommended to look at the network graph before merging or starting something new.</a:t>
-            </a:r>
+              <a:t>It is recommended to use the github.com web interface for creating branches and merges, and to watch the network </a:t>
+            </a:r>
+            <a:r>
+              <a:rPr lang="en-US" sz="1400"/>
+              <a:t>of changes:</a:t>
+            </a:r>
+            <a:endParaRPr lang="en-US" sz="1400" dirty="0"/>
           </a:p>
           <a:p>
             <a:r>

--- a/doc/source/topic_guides/GithubGuideKmcos.pptx
+++ b/doc/source/topic_guides/GithubGuideKmcos.pptx
@@ -3270,6 +3270,13 @@
               <a:t>Edit your side-branch</a:t>
             </a:r>
           </a:p>
+          <a:p>
+            <a:pPr algn="ctr"/>
+            <a:r>
+              <a:rPr lang="en-US" sz="1000" dirty="0"/>
+              <a:t>on  the main repository</a:t>
+            </a:r>
+          </a:p>
         </p:txBody>
       </p:sp>
       <p:cxnSp>
@@ -3563,6 +3570,18 @@
               <a:t>Edit your side-branch</a:t>
             </a:r>
           </a:p>
+          <a:p>
+            <a:pPr algn="ctr"/>
+            <a:r>
+              <a:rPr lang="en-US" sz="1000" dirty="0"/>
+              <a:t>on  </a:t>
+            </a:r>
+            <a:r>
+              <a:rPr lang="en-US" sz="1000"/>
+              <a:t>your own repository</a:t>
+            </a:r>
+            <a:endParaRPr lang="en-US" sz="1000" dirty="0"/>
+          </a:p>
         </p:txBody>
       </p:sp>
       <p:cxnSp>
@@ -3940,6 +3959,84 @@
             <a:r>
               <a:rPr lang="en-US" sz="1400" dirty="0"/>
               <a:t> </a:t>
+            </a:r>
+          </a:p>
+        </p:txBody>
+      </p:sp>
+      <p:sp>
+        <p:nvSpPr>
+          <p:cNvPr id="2" name="TextBox 1">
+            <a:extLst>
+              <a:ext uri="{FF2B5EF4-FFF2-40B4-BE49-F238E27FC236}">
+                <a16:creationId xmlns:a16="http://schemas.microsoft.com/office/drawing/2014/main" id="{B650D86F-8208-4973-BAD3-D031EE8DD2D7}"/>
+              </a:ext>
+            </a:extLst>
+          </p:cNvPr>
+          <p:cNvSpPr txBox="1"/>
+          <p:nvPr/>
+        </p:nvSpPr>
+        <p:spPr>
+          <a:xfrm>
+            <a:off x="2364826" y="2576769"/>
+            <a:ext cx="497227" cy="307777"/>
+          </a:xfrm>
+          <a:prstGeom prst="rect">
+            <a:avLst/>
+          </a:prstGeom>
+          <a:noFill/>
+        </p:spPr>
+        <p:txBody>
+          <a:bodyPr wrap="square" rtlCol="0">
+            <a:spAutoFit/>
+          </a:bodyPr>
+          <a:lstStyle/>
+          <a:p>
+            <a:r>
+              <a:rPr lang="en-US" sz="1400" dirty="0">
+                <a:solidFill>
+                  <a:schemeClr val="accent2"/>
+                </a:solidFill>
+              </a:rPr>
+              <a:t>No</a:t>
+            </a:r>
+          </a:p>
+        </p:txBody>
+      </p:sp>
+      <p:sp>
+        <p:nvSpPr>
+          <p:cNvPr id="22" name="TextBox 21">
+            <a:extLst>
+              <a:ext uri="{FF2B5EF4-FFF2-40B4-BE49-F238E27FC236}">
+                <a16:creationId xmlns:a16="http://schemas.microsoft.com/office/drawing/2014/main" id="{8D918041-4CA7-452E-A88B-A1F5418E1B1A}"/>
+              </a:ext>
+            </a:extLst>
+          </p:cNvPr>
+          <p:cNvSpPr txBox="1"/>
+          <p:nvPr/>
+        </p:nvSpPr>
+        <p:spPr>
+          <a:xfrm>
+            <a:off x="3698372" y="2556291"/>
+            <a:ext cx="497227" cy="307777"/>
+          </a:xfrm>
+          <a:prstGeom prst="rect">
+            <a:avLst/>
+          </a:prstGeom>
+          <a:noFill/>
+        </p:spPr>
+        <p:txBody>
+          <a:bodyPr wrap="square" rtlCol="0">
+            <a:spAutoFit/>
+          </a:bodyPr>
+          <a:lstStyle/>
+          <a:p>
+            <a:r>
+              <a:rPr lang="en-US" sz="1400" dirty="0">
+                <a:solidFill>
+                  <a:schemeClr val="accent2"/>
+                </a:solidFill>
+              </a:rPr>
+              <a:t>Yes</a:t>
             </a:r>
           </a:p>
         </p:txBody>

--- a/doc/source/topic_guides/GithubGuideKmcos.pptx
+++ b/doc/source/topic_guides/GithubGuideKmcos.pptx
@@ -3267,14 +3267,14 @@
             <a:pPr algn="ctr"/>
             <a:r>
               <a:rPr lang="en-US" sz="1000" dirty="0"/>
-              <a:t>Edit your side-branch</a:t>
+              <a:t>Edit this side-branch</a:t>
             </a:r>
           </a:p>
           <a:p>
             <a:pPr algn="ctr"/>
             <a:r>
               <a:rPr lang="en-US" sz="1000" dirty="0"/>
-              <a:t>on  the main repository</a:t>
+              <a:t>which  is on  the main repository</a:t>
             </a:r>
           </a:p>
         </p:txBody>
@@ -3567,20 +3567,19 @@
             <a:pPr algn="ctr"/>
             <a:r>
               <a:rPr lang="en-US" sz="1000" dirty="0"/>
-              <a:t>Edit your side-branch</a:t>
+              <a:t>Edit this side-branch</a:t>
             </a:r>
           </a:p>
           <a:p>
             <a:pPr algn="ctr"/>
             <a:r>
+              <a:rPr lang="en-US" sz="1000"/>
+              <a:t>which  is on  </a:t>
+            </a:r>
+            <a:r>
               <a:rPr lang="en-US" sz="1000" dirty="0"/>
-              <a:t>on  </a:t>
-            </a:r>
-            <a:r>
-              <a:rPr lang="en-US" sz="1000"/>
               <a:t>your own repository</a:t>
             </a:r>
-            <a:endParaRPr lang="en-US" sz="1000" dirty="0"/>
           </a:p>
         </p:txBody>
       </p:sp>
